--- a/Cloud Engineering Summit 2021/Reuse dont Repeat.pptx
+++ b/Cloud Engineering Summit 2021/Reuse dont Repeat.pptx
@@ -5,7 +5,7 @@
     <p:sldMasterId id="2147483661" r:id="rId1"/>
   </p:sldMasterIdLst>
   <p:notesMasterIdLst>
-    <p:notesMasterId r:id="rId10"/>
+    <p:notesMasterId r:id="rId11"/>
   </p:notesMasterIdLst>
   <p:sldIdLst>
     <p:sldId id="271" r:id="rId2"/>
@@ -15,7 +15,8 @@
     <p:sldId id="280" r:id="rId6"/>
     <p:sldId id="278" r:id="rId7"/>
     <p:sldId id="276" r:id="rId8"/>
-    <p:sldId id="277" r:id="rId9"/>
+    <p:sldId id="281" r:id="rId9"/>
+    <p:sldId id="282" r:id="rId10"/>
   </p:sldIdLst>
   <p:sldSz cx="18286413" cy="10287000"/>
   <p:notesSz cx="6858000" cy="9144000"/>
@@ -207,7 +208,7 @@
           <a:p>
             <a:fld id="{EE26D391-303F-4636-928C-65B5AD882CFA}" type="datetimeFigureOut">
               <a:rPr lang="en-GB" smtClean="0"/>
-              <a:t>12/09/2021</a:t>
+              <a:t>12/04/2023</a:t>
             </a:fld>
             <a:endParaRPr lang="en-GB"/>
           </a:p>
@@ -606,7 +607,7 @@
           <a:p>
             <a:fld id="{D7A8E33B-084A-4AFD-80B8-C1B811242533}" type="datetimeFigureOut">
               <a:rPr lang="en-GB" smtClean="0"/>
-              <a:t>12/09/2021</a:t>
+              <a:t>12/04/2023</a:t>
             </a:fld>
             <a:endParaRPr lang="en-GB"/>
           </a:p>
@@ -776,7 +777,7 @@
           <a:p>
             <a:fld id="{D7A8E33B-084A-4AFD-80B8-C1B811242533}" type="datetimeFigureOut">
               <a:rPr lang="en-GB" smtClean="0"/>
-              <a:t>12/09/2021</a:t>
+              <a:t>12/04/2023</a:t>
             </a:fld>
             <a:endParaRPr lang="en-GB"/>
           </a:p>
@@ -956,7 +957,7 @@
           <a:p>
             <a:fld id="{D7A8E33B-084A-4AFD-80B8-C1B811242533}" type="datetimeFigureOut">
               <a:rPr lang="en-GB" smtClean="0"/>
-              <a:t>12/09/2021</a:t>
+              <a:t>12/04/2023</a:t>
             </a:fld>
             <a:endParaRPr lang="en-GB"/>
           </a:p>
@@ -1232,7 +1233,7 @@
           <a:p>
             <a:fld id="{D7A8E33B-084A-4AFD-80B8-C1B811242533}" type="datetimeFigureOut">
               <a:rPr lang="en-GB" smtClean="0"/>
-              <a:t>12/09/2021</a:t>
+              <a:t>12/04/2023</a:t>
             </a:fld>
             <a:endParaRPr lang="en-GB"/>
           </a:p>
@@ -1579,7 +1580,7 @@
           <a:p>
             <a:fld id="{D7A8E33B-084A-4AFD-80B8-C1B811242533}" type="datetimeFigureOut">
               <a:rPr lang="en-GB" smtClean="0"/>
-              <a:t>12/09/2021</a:t>
+              <a:t>12/04/2023</a:t>
             </a:fld>
             <a:endParaRPr lang="en-GB"/>
           </a:p>
@@ -1811,7 +1812,7 @@
           <a:p>
             <a:fld id="{D7A8E33B-084A-4AFD-80B8-C1B811242533}" type="datetimeFigureOut">
               <a:rPr lang="en-GB" smtClean="0"/>
-              <a:t>12/09/2021</a:t>
+              <a:t>12/04/2023</a:t>
             </a:fld>
             <a:endParaRPr lang="en-GB"/>
           </a:p>
@@ -2178,7 +2179,7 @@
           <a:p>
             <a:fld id="{D7A8E33B-084A-4AFD-80B8-C1B811242533}" type="datetimeFigureOut">
               <a:rPr lang="en-GB" smtClean="0"/>
-              <a:t>12/09/2021</a:t>
+              <a:t>12/04/2023</a:t>
             </a:fld>
             <a:endParaRPr lang="en-GB"/>
           </a:p>
@@ -2296,7 +2297,7 @@
           <a:p>
             <a:fld id="{D7A8E33B-084A-4AFD-80B8-C1B811242533}" type="datetimeFigureOut">
               <a:rPr lang="en-GB" smtClean="0"/>
-              <a:t>12/09/2021</a:t>
+              <a:t>12/04/2023</a:t>
             </a:fld>
             <a:endParaRPr lang="en-GB"/>
           </a:p>
@@ -2391,7 +2392,7 @@
           <a:p>
             <a:fld id="{D7A8E33B-084A-4AFD-80B8-C1B811242533}" type="datetimeFigureOut">
               <a:rPr lang="en-GB" smtClean="0"/>
-              <a:t>12/09/2021</a:t>
+              <a:t>12/04/2023</a:t>
             </a:fld>
             <a:endParaRPr lang="en-GB"/>
           </a:p>
@@ -2668,7 +2669,7 @@
           <a:p>
             <a:fld id="{D7A8E33B-084A-4AFD-80B8-C1B811242533}" type="datetimeFigureOut">
               <a:rPr lang="en-GB" smtClean="0"/>
-              <a:t>12/09/2021</a:t>
+              <a:t>12/04/2023</a:t>
             </a:fld>
             <a:endParaRPr lang="en-GB"/>
           </a:p>
@@ -2925,7 +2926,7 @@
           <a:p>
             <a:fld id="{D7A8E33B-084A-4AFD-80B8-C1B811242533}" type="datetimeFigureOut">
               <a:rPr lang="en-GB" smtClean="0"/>
-              <a:t>12/09/2021</a:t>
+              <a:t>12/04/2023</a:t>
             </a:fld>
             <a:endParaRPr lang="en-GB"/>
           </a:p>
@@ -3138,7 +3139,7 @@
           <a:p>
             <a:fld id="{D7A8E33B-084A-4AFD-80B8-C1B811242533}" type="datetimeFigureOut">
               <a:rPr lang="en-GB" smtClean="0"/>
-              <a:t>12/09/2021</a:t>
+              <a:t>12/04/2023</a:t>
             </a:fld>
             <a:endParaRPr lang="en-GB"/>
           </a:p>
@@ -3916,7 +3917,7 @@
         <p:spPr>
           <a:xfrm>
             <a:off x="6705019" y="2445605"/>
-            <a:ext cx="10300897" cy="3323859"/>
+            <a:ext cx="5513945" cy="2708306"/>
           </a:xfrm>
           <a:prstGeom prst="rect">
             <a:avLst/>
@@ -3968,32 +3969,8 @@
                 </a:solidFill>
                 <a:latin typeface="Metropolis" panose="00000500000000000000" pitchFamily="50" charset="0"/>
               </a:rPr>
-              <a:t>Solution Architect – Willis Towers Watson</a:t>
-            </a:r>
-          </a:p>
-          <a:p>
-            <a:pPr algn="l"/>
-            <a:r>
-              <a:rPr lang="en-GB" sz="4000" dirty="0">
-                <a:solidFill>
-                  <a:schemeClr val="tx1">
-                    <a:lumMod val="65000"/>
-                    <a:lumOff val="35000"/>
-                  </a:schemeClr>
-                </a:solidFill>
-                <a:latin typeface="Metropolis" panose="00000500000000000000" pitchFamily="50" charset="0"/>
-              </a:rPr>
-              <a:t>Microsoft Azure MVP</a:t>
-            </a:r>
-            <a:endParaRPr lang="en-US" sz="4000" dirty="0" err="1">
-              <a:solidFill>
-                <a:schemeClr val="tx1">
-                  <a:lumMod val="65000"/>
-                  <a:lumOff val="35000"/>
-                </a:schemeClr>
-              </a:solidFill>
-              <a:latin typeface="Metropolis" panose="00000500000000000000" pitchFamily="50" charset="0"/>
-            </a:endParaRPr>
+              <a:t>Solution Architect</a:t>
+            </a:r>
           </a:p>
         </p:txBody>
       </p:sp>
@@ -4295,12 +4272,106 @@
         </p:blipFill>
         <p:spPr>
           <a:xfrm>
-            <a:off x="1361043" y="7286154"/>
+            <a:off x="391779" y="7205874"/>
             <a:ext cx="3433281" cy="1385199"/>
           </a:xfrm>
           <a:prstGeom prst="rect">
             <a:avLst/>
           </a:prstGeom>
+        </p:spPr>
+      </p:pic>
+      <p:pic>
+        <p:nvPicPr>
+          <p:cNvPr id="1026" name="Picture 2" descr="Pulumaries logo">
+            <a:extLst>
+              <a:ext uri="{FF2B5EF4-FFF2-40B4-BE49-F238E27FC236}">
+                <a16:creationId xmlns:a16="http://schemas.microsoft.com/office/drawing/2014/main" id="{87CDEADF-FBA0-4D15-A6C2-B792E581EC2A}"/>
+              </a:ext>
+            </a:extLst>
+          </p:cNvPr>
+          <p:cNvPicPr>
+            <a:picLocks noChangeAspect="1" noChangeArrowheads="1"/>
+          </p:cNvPicPr>
+          <p:nvPr/>
+        </p:nvPicPr>
+        <p:blipFill>
+          <a:blip r:embed="rId10">
+            <a:extLst>
+              <a:ext uri="{28A0092B-C50C-407E-A947-70E740481C1C}">
+                <a14:useLocalDpi xmlns:a14="http://schemas.microsoft.com/office/drawing/2010/main" val="0"/>
+              </a:ext>
+            </a:extLst>
+          </a:blip>
+          <a:srcRect/>
+          <a:stretch>
+            <a:fillRect/>
+          </a:stretch>
+        </p:blipFill>
+        <p:spPr bwMode="auto">
+          <a:xfrm>
+            <a:off x="4127194" y="7095261"/>
+            <a:ext cx="1710647" cy="1492267"/>
+          </a:xfrm>
+          <a:prstGeom prst="rect">
+            <a:avLst/>
+          </a:prstGeom>
+          <a:noFill/>
+          <a:extLst>
+            <a:ext uri="{909E8E84-426E-40DD-AFC4-6F175D3DCCD1}">
+              <a14:hiddenFill xmlns:a14="http://schemas.microsoft.com/office/drawing/2010/main">
+                <a:solidFill>
+                  <a:srgbClr val="FFFFFF"/>
+                </a:solidFill>
+              </a14:hiddenFill>
+            </a:ext>
+          </a:extLst>
+        </p:spPr>
+      </p:pic>
+      <p:pic>
+        <p:nvPicPr>
+          <p:cNvPr id="1028" name="Picture 4" descr="WTW: Perspective that moves you | Risk, Broking, HR ...">
+            <a:extLst>
+              <a:ext uri="{FF2B5EF4-FFF2-40B4-BE49-F238E27FC236}">
+                <a16:creationId xmlns:a16="http://schemas.microsoft.com/office/drawing/2014/main" id="{34401A28-2503-4E25-A328-A146B7AE7D91}"/>
+              </a:ext>
+            </a:extLst>
+          </p:cNvPr>
+          <p:cNvPicPr>
+            <a:picLocks noChangeAspect="1" noChangeArrowheads="1"/>
+          </p:cNvPicPr>
+          <p:nvPr/>
+        </p:nvPicPr>
+        <p:blipFill>
+          <a:blip r:embed="rId11">
+            <a:extLst>
+              <a:ext uri="{28A0092B-C50C-407E-A947-70E740481C1C}">
+                <a14:useLocalDpi xmlns:a14="http://schemas.microsoft.com/office/drawing/2010/main" val="0"/>
+              </a:ext>
+            </a:extLst>
+          </a:blip>
+          <a:srcRect/>
+          <a:stretch>
+            <a:fillRect/>
+          </a:stretch>
+        </p:blipFill>
+        <p:spPr bwMode="auto">
+          <a:xfrm>
+            <a:off x="6705018" y="5081196"/>
+            <a:ext cx="1428242" cy="462893"/>
+          </a:xfrm>
+          <a:prstGeom prst="rect">
+            <a:avLst/>
+          </a:prstGeom>
+          <a:noFill/>
+          <a:extLst>
+            <a:ext uri="{909E8E84-426E-40DD-AFC4-6F175D3DCCD1}">
+              <a14:hiddenFill xmlns:a14="http://schemas.microsoft.com/office/drawing/2010/main">
+                <a:solidFill>
+                  <a:srgbClr val="FFFFFF"/>
+                </a:solidFill>
+              </a14:hiddenFill>
+            </a:ext>
+          </a:extLst>
         </p:spPr>
       </p:pic>
     </p:spTree>
@@ -5517,7 +5588,7 @@
         </p:spPr>
         <p:txBody>
           <a:bodyPr>
-            <a:normAutofit fontScale="92500" lnSpcReduction="20000"/>
+            <a:normAutofit/>
           </a:bodyPr>
           <a:lstStyle/>
           <a:p>
@@ -5566,7 +5637,7 @@
         </p:spPr>
         <p:txBody>
           <a:bodyPr vert="horz" lIns="91440" tIns="45720" rIns="91440" bIns="45720" rtlCol="0">
-            <a:normAutofit fontScale="92500"/>
+            <a:normAutofit/>
           </a:bodyPr>
           <a:lstStyle>
             <a:lvl1pPr marL="342877" indent="-342877" algn="l" defTabSz="1371509" rtl="0" eaLnBrk="1" latinLnBrk="0" hangingPunct="1">
@@ -7553,7 +7624,7 @@
                 </a:solidFill>
                 <a:latin typeface="Metropolis" panose="00000500000000000000" pitchFamily="50" charset="0"/>
               </a:rPr>
-              <a:t>How do we Distribute Modules?</a:t>
+              <a:t>Distributing Modules?</a:t>
             </a:r>
           </a:p>
         </p:txBody>
@@ -8576,6 +8647,14 @@
 <file path=ppt/slides/slide8.xml><?xml version="1.0" encoding="utf-8"?>
 <p:sld xmlns:a="http://schemas.openxmlformats.org/drawingml/2006/main" xmlns:r="http://schemas.openxmlformats.org/officeDocument/2006/relationships" xmlns:p="http://schemas.openxmlformats.org/presentationml/2006/main">
   <p:cSld>
+    <p:bg>
+      <p:bgPr>
+        <a:solidFill>
+          <a:srgbClr val="000000"/>
+        </a:solidFill>
+        <a:effectLst/>
+      </p:bgPr>
+    </p:bg>
     <p:spTree>
       <p:nvGrpSpPr>
         <p:cNvPr id="1" name=""/>
@@ -8592,6 +8671,170 @@
       </p:grpSpPr>
       <p:sp>
         <p:nvSpPr>
+          <p:cNvPr id="13" name="Rectangle 12">
+            <a:extLst>
+              <a:ext uri="{FF2B5EF4-FFF2-40B4-BE49-F238E27FC236}">
+                <a16:creationId xmlns:a16="http://schemas.microsoft.com/office/drawing/2014/main" id="{71B2258F-86CA-4D4D-8270-BC05FCDEBFB3}"/>
+              </a:ext>
+              <a:ext uri="{C183D7F6-B498-43B3-948B-1728B52AA6E4}">
+                <adec:decorative xmlns:adec="http://schemas.microsoft.com/office/drawing/2017/decorative" val="1"/>
+              </a:ext>
+            </a:extLst>
+          </p:cNvPr>
+          <p:cNvSpPr>
+            <a:spLocks noGrp="1" noRot="1" noChangeAspect="1" noMove="1" noResize="1" noEditPoints="1" noAdjustHandles="1" noChangeArrowheads="1" noChangeShapeType="1" noTextEdit="1"/>
+          </p:cNvSpPr>
+          <p:nvPr>
+            <p:extLst>
+              <p:ext uri="{386F3935-93C4-4BCD-93E2-E3B085C9AB24}">
+                <p16:designElem xmlns:p16="http://schemas.microsoft.com/office/powerpoint/2015/main" val="1"/>
+              </p:ext>
+            </p:extLst>
+          </p:nvPr>
+        </p:nvSpPr>
+        <p:spPr>
+          <a:xfrm>
+            <a:off x="0" y="0"/>
+            <a:ext cx="18286412" cy="10286998"/>
+          </a:xfrm>
+          <a:prstGeom prst="rect">
+            <a:avLst/>
+          </a:prstGeom>
+          <a:solidFill>
+            <a:srgbClr val="000000"/>
+          </a:solidFill>
+          <a:ln>
+            <a:noFill/>
+          </a:ln>
+        </p:spPr>
+        <p:style>
+          <a:lnRef idx="2">
+            <a:schemeClr val="accent1">
+              <a:shade val="50000"/>
+            </a:schemeClr>
+          </a:lnRef>
+          <a:fillRef idx="1">
+            <a:schemeClr val="accent1"/>
+          </a:fillRef>
+          <a:effectRef idx="0">
+            <a:schemeClr val="accent1"/>
+          </a:effectRef>
+          <a:fontRef idx="minor">
+            <a:schemeClr val="lt1"/>
+          </a:fontRef>
+        </p:style>
+        <p:txBody>
+          <a:bodyPr rtlCol="0" anchor="ctr"/>
+          <a:lstStyle/>
+          <a:p>
+            <a:pPr algn="ctr"/>
+            <a:endParaRPr lang="en-US"/>
+          </a:p>
+        </p:txBody>
+      </p:sp>
+      <p:pic>
+        <p:nvPicPr>
+          <p:cNvPr id="8" name="Picture 7">
+            <a:extLst>
+              <a:ext uri="{FF2B5EF4-FFF2-40B4-BE49-F238E27FC236}">
+                <a16:creationId xmlns:a16="http://schemas.microsoft.com/office/drawing/2014/main" id="{BBEBD11D-BB2B-467F-ABCB-47AD3133AD92}"/>
+              </a:ext>
+            </a:extLst>
+          </p:cNvPr>
+          <p:cNvPicPr>
+            <a:picLocks noChangeAspect="1"/>
+          </p:cNvPicPr>
+          <p:nvPr/>
+        </p:nvPicPr>
+        <p:blipFill rotWithShape="1">
+          <a:blip r:embed="rId2">
+            <a:alphaModFix amt="50000"/>
+          </a:blip>
+          <a:srcRect r="4897"/>
+          <a:stretch/>
+        </p:blipFill>
+        <p:spPr>
+          <a:xfrm>
+            <a:off x="20" y="1"/>
+            <a:ext cx="18286392" cy="10286999"/>
+          </a:xfrm>
+          <a:prstGeom prst="rect">
+            <a:avLst/>
+          </a:prstGeom>
+        </p:spPr>
+      </p:pic>
+      <p:sp>
+        <p:nvSpPr>
+          <p:cNvPr id="2" name="Title 1">
+            <a:extLst>
+              <a:ext uri="{FF2B5EF4-FFF2-40B4-BE49-F238E27FC236}">
+                <a16:creationId xmlns:a16="http://schemas.microsoft.com/office/drawing/2014/main" id="{D5820A17-C6F2-49B4-8527-021C15CF2E17}"/>
+              </a:ext>
+            </a:extLst>
+          </p:cNvPr>
+          <p:cNvSpPr>
+            <a:spLocks noGrp="1"/>
+          </p:cNvSpPr>
+          <p:nvPr>
+            <p:ph type="title"/>
+          </p:nvPr>
+        </p:nvSpPr>
+        <p:spPr>
+          <a:xfrm>
+            <a:off x="2285801" y="1683543"/>
+            <a:ext cx="13714809" cy="4350777"/>
+          </a:xfrm>
+        </p:spPr>
+        <p:txBody>
+          <a:bodyPr vert="horz" lIns="91440" tIns="45720" rIns="91440" bIns="45720" rtlCol="0" anchor="b">
+            <a:normAutofit/>
+          </a:bodyPr>
+          <a:lstStyle/>
+          <a:p>
+            <a:pPr algn="ctr" defTabSz="914400"/>
+            <a:r>
+              <a:rPr lang="en-US" sz="8000" dirty="0">
+                <a:solidFill>
+                  <a:srgbClr val="FFFFFF"/>
+                </a:solidFill>
+              </a:rPr>
+              <a:t>Demo Time</a:t>
+            </a:r>
+          </a:p>
+        </p:txBody>
+      </p:sp>
+    </p:spTree>
+    <p:extLst>
+      <p:ext uri="{BB962C8B-B14F-4D97-AF65-F5344CB8AC3E}">
+        <p14:creationId xmlns:p14="http://schemas.microsoft.com/office/powerpoint/2010/main" val="1688710777"/>
+      </p:ext>
+    </p:extLst>
+  </p:cSld>
+  <p:clrMapOvr>
+    <a:overrideClrMapping bg1="dk1" tx1="lt1" bg2="dk2" tx2="lt2" accent1="accent1" accent2="accent2" accent3="accent3" accent4="accent4" accent5="accent5" accent6="accent6" hlink="hlink" folHlink="folHlink"/>
+  </p:clrMapOvr>
+</p:sld>
+</file>
+
+<file path=ppt/slides/slide9.xml><?xml version="1.0" encoding="utf-8"?>
+<p:sld xmlns:a="http://schemas.openxmlformats.org/drawingml/2006/main" xmlns:r="http://schemas.openxmlformats.org/officeDocument/2006/relationships" xmlns:p="http://schemas.openxmlformats.org/presentationml/2006/main">
+  <p:cSld>
+    <p:spTree>
+      <p:nvGrpSpPr>
+        <p:cNvPr id="1" name=""/>
+        <p:cNvGrpSpPr/>
+        <p:nvPr/>
+      </p:nvGrpSpPr>
+      <p:grpSpPr>
+        <a:xfrm>
+          <a:off x="0" y="0"/>
+          <a:ext cx="0" cy="0"/>
+          <a:chOff x="0" y="0"/>
+          <a:chExt cx="0" cy="0"/>
+        </a:xfrm>
+      </p:grpSpPr>
+      <p:sp>
+        <p:nvSpPr>
           <p:cNvPr id="2" name="Title 1">
             <a:extLst>
               <a:ext uri="{FF2B5EF4-FFF2-40B4-BE49-F238E27FC236}">
@@ -8697,7 +8940,7 @@
         <p:spPr>
           <a:xfrm>
             <a:off x="6705019" y="2445605"/>
-            <a:ext cx="10300897" cy="3323859"/>
+            <a:ext cx="5513945" cy="2708306"/>
           </a:xfrm>
           <a:prstGeom prst="rect">
             <a:avLst/>
@@ -8749,32 +8992,8 @@
                 </a:solidFill>
                 <a:latin typeface="Metropolis" panose="00000500000000000000" pitchFamily="50" charset="0"/>
               </a:rPr>
-              <a:t>Solution Architect – Willis Towers Watson</a:t>
-            </a:r>
-          </a:p>
-          <a:p>
-            <a:pPr algn="l"/>
-            <a:r>
-              <a:rPr lang="en-GB" sz="4000" dirty="0">
-                <a:solidFill>
-                  <a:schemeClr val="tx1">
-                    <a:lumMod val="65000"/>
-                    <a:lumOff val="35000"/>
-                  </a:schemeClr>
-                </a:solidFill>
-                <a:latin typeface="Metropolis" panose="00000500000000000000" pitchFamily="50" charset="0"/>
-              </a:rPr>
-              <a:t>Microsoft Azure MVP</a:t>
-            </a:r>
-            <a:endParaRPr lang="en-US" sz="4000" dirty="0" err="1">
-              <a:solidFill>
-                <a:schemeClr val="tx1">
-                  <a:lumMod val="65000"/>
-                  <a:lumOff val="35000"/>
-                </a:schemeClr>
-              </a:solidFill>
-              <a:latin typeface="Metropolis" panose="00000500000000000000" pitchFamily="50" charset="0"/>
-            </a:endParaRPr>
+              <a:t>Solution Architect</a:t>
+            </a:r>
           </a:p>
         </p:txBody>
       </p:sp>
@@ -9076,18 +9295,112 @@
         </p:blipFill>
         <p:spPr>
           <a:xfrm>
-            <a:off x="1361043" y="7286154"/>
+            <a:off x="391779" y="7205874"/>
             <a:ext cx="3433281" cy="1385199"/>
           </a:xfrm>
           <a:prstGeom prst="rect">
             <a:avLst/>
           </a:prstGeom>
+        </p:spPr>
+      </p:pic>
+      <p:pic>
+        <p:nvPicPr>
+          <p:cNvPr id="1026" name="Picture 2" descr="Pulumaries logo">
+            <a:extLst>
+              <a:ext uri="{FF2B5EF4-FFF2-40B4-BE49-F238E27FC236}">
+                <a16:creationId xmlns:a16="http://schemas.microsoft.com/office/drawing/2014/main" id="{87CDEADF-FBA0-4D15-A6C2-B792E581EC2A}"/>
+              </a:ext>
+            </a:extLst>
+          </p:cNvPr>
+          <p:cNvPicPr>
+            <a:picLocks noChangeAspect="1" noChangeArrowheads="1"/>
+          </p:cNvPicPr>
+          <p:nvPr/>
+        </p:nvPicPr>
+        <p:blipFill>
+          <a:blip r:embed="rId10">
+            <a:extLst>
+              <a:ext uri="{28A0092B-C50C-407E-A947-70E740481C1C}">
+                <a14:useLocalDpi xmlns:a14="http://schemas.microsoft.com/office/drawing/2010/main" val="0"/>
+              </a:ext>
+            </a:extLst>
+          </a:blip>
+          <a:srcRect/>
+          <a:stretch>
+            <a:fillRect/>
+          </a:stretch>
+        </p:blipFill>
+        <p:spPr bwMode="auto">
+          <a:xfrm>
+            <a:off x="4127194" y="7095261"/>
+            <a:ext cx="1710647" cy="1492267"/>
+          </a:xfrm>
+          <a:prstGeom prst="rect">
+            <a:avLst/>
+          </a:prstGeom>
+          <a:noFill/>
+          <a:extLst>
+            <a:ext uri="{909E8E84-426E-40DD-AFC4-6F175D3DCCD1}">
+              <a14:hiddenFill xmlns:a14="http://schemas.microsoft.com/office/drawing/2010/main">
+                <a:solidFill>
+                  <a:srgbClr val="FFFFFF"/>
+                </a:solidFill>
+              </a14:hiddenFill>
+            </a:ext>
+          </a:extLst>
+        </p:spPr>
+      </p:pic>
+      <p:pic>
+        <p:nvPicPr>
+          <p:cNvPr id="1028" name="Picture 4" descr="WTW: Perspective that moves you | Risk, Broking, HR ...">
+            <a:extLst>
+              <a:ext uri="{FF2B5EF4-FFF2-40B4-BE49-F238E27FC236}">
+                <a16:creationId xmlns:a16="http://schemas.microsoft.com/office/drawing/2014/main" id="{34401A28-2503-4E25-A328-A146B7AE7D91}"/>
+              </a:ext>
+            </a:extLst>
+          </p:cNvPr>
+          <p:cNvPicPr>
+            <a:picLocks noChangeAspect="1" noChangeArrowheads="1"/>
+          </p:cNvPicPr>
+          <p:nvPr/>
+        </p:nvPicPr>
+        <p:blipFill>
+          <a:blip r:embed="rId11">
+            <a:extLst>
+              <a:ext uri="{28A0092B-C50C-407E-A947-70E740481C1C}">
+                <a14:useLocalDpi xmlns:a14="http://schemas.microsoft.com/office/drawing/2010/main" val="0"/>
+              </a:ext>
+            </a:extLst>
+          </a:blip>
+          <a:srcRect/>
+          <a:stretch>
+            <a:fillRect/>
+          </a:stretch>
+        </p:blipFill>
+        <p:spPr bwMode="auto">
+          <a:xfrm>
+            <a:off x="6705018" y="5081196"/>
+            <a:ext cx="1428242" cy="462893"/>
+          </a:xfrm>
+          <a:prstGeom prst="rect">
+            <a:avLst/>
+          </a:prstGeom>
+          <a:noFill/>
+          <a:extLst>
+            <a:ext uri="{909E8E84-426E-40DD-AFC4-6F175D3DCCD1}">
+              <a14:hiddenFill xmlns:a14="http://schemas.microsoft.com/office/drawing/2010/main">
+                <a:solidFill>
+                  <a:srgbClr val="FFFFFF"/>
+                </a:solidFill>
+              </a14:hiddenFill>
+            </a:ext>
+          </a:extLst>
         </p:spPr>
       </p:pic>
     </p:spTree>
     <p:extLst>
       <p:ext uri="{BB962C8B-B14F-4D97-AF65-F5344CB8AC3E}">
-        <p14:creationId xmlns:p14="http://schemas.microsoft.com/office/powerpoint/2010/main" val="860831884"/>
+        <p14:creationId xmlns:p14="http://schemas.microsoft.com/office/powerpoint/2010/main" val="2226458720"/>
       </p:ext>
     </p:extLst>
   </p:cSld>
